--- a/尾牙籌辦簡報.pptx
+++ b/尾牙籌辦簡報.pptx
@@ -7,15 +7,18 @@
     <p:sldMasterId id="2147483653" r:id="rId3"/>
   </p:sldMasterIdLst>
   <p:notesMasterIdLst>
-    <p:notesMasterId r:id="rId10"/>
+    <p:notesMasterId r:id="rId13"/>
   </p:notesMasterIdLst>
   <p:sldIdLst>
     <p:sldId id="256" r:id="rId4"/>
-    <p:sldId id="302" r:id="rId5"/>
-    <p:sldId id="305" r:id="rId6"/>
-    <p:sldId id="261" r:id="rId7"/>
-    <p:sldId id="303" r:id="rId8"/>
-    <p:sldId id="304" r:id="rId9"/>
+    <p:sldId id="306" r:id="rId5"/>
+    <p:sldId id="307" r:id="rId6"/>
+    <p:sldId id="308" r:id="rId7"/>
+    <p:sldId id="302" r:id="rId8"/>
+    <p:sldId id="305" r:id="rId9"/>
+    <p:sldId id="261" r:id="rId10"/>
+    <p:sldId id="303" r:id="rId11"/>
+    <p:sldId id="304" r:id="rId12"/>
   </p:sldIdLst>
   <p:sldSz cx="9144000" cy="5143500" type="screen16x9"/>
   <p:notesSz cx="6858000" cy="9144000"/>
@@ -215,7 +218,7 @@
           <a:p>
             <a:fld id="{A0FE4780-4742-4AF7-B9F6-29387D06C872}" type="datetimeFigureOut">
               <a:rPr lang="ko-KR" altLang="en-US" smtClean="0"/>
-              <a:t>2019-09-05</a:t>
+              <a:t>2019-09-06</a:t>
             </a:fld>
             <a:endParaRPr lang="ko-KR" altLang="en-US"/>
           </a:p>
@@ -6294,6 +6297,815 @@
 </file>
 
 <file path=ppt/slides/slide2.xml><?xml version="1.0" encoding="utf-8"?>
+<p:sld xmlns:a="http://schemas.openxmlformats.org/drawingml/2006/main" xmlns:r="http://schemas.openxmlformats.org/officeDocument/2006/relationships" xmlns:p="http://schemas.openxmlformats.org/presentationml/2006/main">
+  <p:cSld>
+    <p:spTree>
+      <p:nvGrpSpPr>
+        <p:cNvPr id="1" name=""/>
+        <p:cNvGrpSpPr/>
+        <p:nvPr/>
+      </p:nvGrpSpPr>
+      <p:grpSpPr>
+        <a:xfrm>
+          <a:off x="0" y="0"/>
+          <a:ext cx="0" cy="0"/>
+          <a:chOff x="0" y="0"/>
+          <a:chExt cx="0" cy="0"/>
+        </a:xfrm>
+      </p:grpSpPr>
+      <p:sp>
+        <p:nvSpPr>
+          <p:cNvPr id="4" name="Text Placeholder 1"/>
+          <p:cNvSpPr txBox="1">
+            <a:spLocks/>
+          </p:cNvSpPr>
+          <p:nvPr/>
+        </p:nvSpPr>
+        <p:spPr>
+          <a:xfrm>
+            <a:off x="0" y="411510"/>
+            <a:ext cx="9144000" cy="576064"/>
+          </a:xfrm>
+          <a:prstGeom prst="rect">
+            <a:avLst/>
+          </a:prstGeom>
+        </p:spPr>
+        <p:txBody>
+          <a:bodyPr anchor="ctr"/>
+          <a:lstStyle>
+            <a:lvl1pPr marL="0" indent="0" algn="ctr" defTabSz="914400" rtl="0" eaLnBrk="1" latinLnBrk="1" hangingPunct="1">
+              <a:spcBef>
+                <a:spcPct val="20000"/>
+              </a:spcBef>
+              <a:buFont typeface="Arial" pitchFamily="34" charset="0"/>
+              <a:buNone/>
+              <a:defRPr sz="3600" b="0" kern="1200" baseline="0">
+                <a:solidFill>
+                  <a:schemeClr val="tx1">
+                    <a:lumMod val="75000"/>
+                    <a:lumOff val="25000"/>
+                  </a:schemeClr>
+                </a:solidFill>
+                <a:latin typeface="Adobe Arabic" panose="02040503050201020203" pitchFamily="18" charset="-78"/>
+                <a:ea typeface="+mn-ea"/>
+                <a:cs typeface="Adobe Arabic" panose="02040503050201020203" pitchFamily="18" charset="-78"/>
+              </a:defRPr>
+            </a:lvl1pPr>
+            <a:lvl2pPr marL="742950" indent="-285750" algn="l" defTabSz="914400" rtl="0" eaLnBrk="1" latinLnBrk="1" hangingPunct="1">
+              <a:spcBef>
+                <a:spcPct val="20000"/>
+              </a:spcBef>
+              <a:buFont typeface="Arial" pitchFamily="34" charset="0"/>
+              <a:buChar char="–"/>
+              <a:defRPr sz="2800" kern="1200">
+                <a:solidFill>
+                  <a:schemeClr val="tx1"/>
+                </a:solidFill>
+                <a:latin typeface="+mn-lt"/>
+                <a:ea typeface="+mn-ea"/>
+                <a:cs typeface="+mn-cs"/>
+              </a:defRPr>
+            </a:lvl2pPr>
+            <a:lvl3pPr marL="1143000" indent="-228600" algn="l" defTabSz="914400" rtl="0" eaLnBrk="1" latinLnBrk="1" hangingPunct="1">
+              <a:spcBef>
+                <a:spcPct val="20000"/>
+              </a:spcBef>
+              <a:buFont typeface="Arial" pitchFamily="34" charset="0"/>
+              <a:buChar char="•"/>
+              <a:defRPr sz="2400" kern="1200">
+                <a:solidFill>
+                  <a:schemeClr val="tx1"/>
+                </a:solidFill>
+                <a:latin typeface="+mn-lt"/>
+                <a:ea typeface="+mn-ea"/>
+                <a:cs typeface="+mn-cs"/>
+              </a:defRPr>
+            </a:lvl3pPr>
+            <a:lvl4pPr marL="1600200" indent="-228600" algn="l" defTabSz="914400" rtl="0" eaLnBrk="1" latinLnBrk="1" hangingPunct="1">
+              <a:spcBef>
+                <a:spcPct val="20000"/>
+              </a:spcBef>
+              <a:buFont typeface="Arial" pitchFamily="34" charset="0"/>
+              <a:buChar char="–"/>
+              <a:defRPr sz="2000" kern="1200">
+                <a:solidFill>
+                  <a:schemeClr val="tx1"/>
+                </a:solidFill>
+                <a:latin typeface="+mn-lt"/>
+                <a:ea typeface="+mn-ea"/>
+                <a:cs typeface="+mn-cs"/>
+              </a:defRPr>
+            </a:lvl4pPr>
+            <a:lvl5pPr marL="2057400" indent="-228600" algn="l" defTabSz="914400" rtl="0" eaLnBrk="1" latinLnBrk="1" hangingPunct="1">
+              <a:spcBef>
+                <a:spcPct val="20000"/>
+              </a:spcBef>
+              <a:buFont typeface="Arial" pitchFamily="34" charset="0"/>
+              <a:buChar char="»"/>
+              <a:defRPr sz="2000" kern="1200">
+                <a:solidFill>
+                  <a:schemeClr val="tx1"/>
+                </a:solidFill>
+                <a:latin typeface="+mn-lt"/>
+                <a:ea typeface="+mn-ea"/>
+                <a:cs typeface="+mn-cs"/>
+              </a:defRPr>
+            </a:lvl5pPr>
+            <a:lvl6pPr marL="2514600" indent="-228600" algn="l" defTabSz="914400" rtl="0" eaLnBrk="1" latinLnBrk="1" hangingPunct="1">
+              <a:spcBef>
+                <a:spcPct val="20000"/>
+              </a:spcBef>
+              <a:buFont typeface="Arial" pitchFamily="34" charset="0"/>
+              <a:buChar char="•"/>
+              <a:defRPr sz="2000" kern="1200">
+                <a:solidFill>
+                  <a:schemeClr val="tx1"/>
+                </a:solidFill>
+                <a:latin typeface="+mn-lt"/>
+                <a:ea typeface="+mn-ea"/>
+                <a:cs typeface="+mn-cs"/>
+              </a:defRPr>
+            </a:lvl6pPr>
+            <a:lvl7pPr marL="2971800" indent="-228600" algn="l" defTabSz="914400" rtl="0" eaLnBrk="1" latinLnBrk="1" hangingPunct="1">
+              <a:spcBef>
+                <a:spcPct val="20000"/>
+              </a:spcBef>
+              <a:buFont typeface="Arial" pitchFamily="34" charset="0"/>
+              <a:buChar char="•"/>
+              <a:defRPr sz="2000" kern="1200">
+                <a:solidFill>
+                  <a:schemeClr val="tx1"/>
+                </a:solidFill>
+                <a:latin typeface="+mn-lt"/>
+                <a:ea typeface="+mn-ea"/>
+                <a:cs typeface="+mn-cs"/>
+              </a:defRPr>
+            </a:lvl7pPr>
+            <a:lvl8pPr marL="3429000" indent="-228600" algn="l" defTabSz="914400" rtl="0" eaLnBrk="1" latinLnBrk="1" hangingPunct="1">
+              <a:spcBef>
+                <a:spcPct val="20000"/>
+              </a:spcBef>
+              <a:buFont typeface="Arial" pitchFamily="34" charset="0"/>
+              <a:buChar char="•"/>
+              <a:defRPr sz="2000" kern="1200">
+                <a:solidFill>
+                  <a:schemeClr val="tx1"/>
+                </a:solidFill>
+                <a:latin typeface="+mn-lt"/>
+                <a:ea typeface="+mn-ea"/>
+                <a:cs typeface="+mn-cs"/>
+              </a:defRPr>
+            </a:lvl8pPr>
+            <a:lvl9pPr marL="3886200" indent="-228600" algn="l" defTabSz="914400" rtl="0" eaLnBrk="1" latinLnBrk="1" hangingPunct="1">
+              <a:spcBef>
+                <a:spcPct val="20000"/>
+              </a:spcBef>
+              <a:buFont typeface="Arial" pitchFamily="34" charset="0"/>
+              <a:buChar char="•"/>
+              <a:defRPr sz="2000" kern="1200">
+                <a:solidFill>
+                  <a:schemeClr val="tx1"/>
+                </a:solidFill>
+                <a:latin typeface="+mn-lt"/>
+                <a:ea typeface="+mn-ea"/>
+                <a:cs typeface="+mn-cs"/>
+              </a:defRPr>
+            </a:lvl9pPr>
+          </a:lstStyle>
+          <a:p>
+            <a:r>
+              <a:rPr lang="zh-TW" altLang="en-US" dirty="0" smtClean="0">
+                <a:latin typeface="Adobe 繁黑體 Std B" panose="020B0700000000000000" pitchFamily="34" charset="-120"/>
+                <a:ea typeface="Adobe 繁黑體 Std B" panose="020B0700000000000000" pitchFamily="34" charset="-120"/>
+              </a:rPr>
+              <a:t>尾牙時</a:t>
+            </a:r>
+            <a:r>
+              <a:rPr lang="zh-TW" altLang="en-US" dirty="0">
+                <a:latin typeface="Adobe 繁黑體 Std B" panose="020B0700000000000000" pitchFamily="34" charset="-120"/>
+                <a:ea typeface="Adobe 繁黑體 Std B" panose="020B0700000000000000" pitchFamily="34" charset="-120"/>
+              </a:rPr>
+              <a:t>間</a:t>
+            </a:r>
+            <a:endParaRPr lang="ko-KR" altLang="en-US" dirty="0">
+              <a:latin typeface="Adobe 繁黑體 Std B" panose="020B0700000000000000" pitchFamily="34" charset="-120"/>
+            </a:endParaRPr>
+          </a:p>
+        </p:txBody>
+      </p:sp>
+      <p:sp>
+        <p:nvSpPr>
+          <p:cNvPr id="5" name="矩形 4"/>
+          <p:cNvSpPr/>
+          <p:nvPr/>
+        </p:nvSpPr>
+        <p:spPr>
+          <a:xfrm>
+            <a:off x="899592" y="1851670"/>
+            <a:ext cx="4572000" cy="1815882"/>
+          </a:xfrm>
+          <a:prstGeom prst="rect">
+            <a:avLst/>
+          </a:prstGeom>
+        </p:spPr>
+        <p:txBody>
+          <a:bodyPr>
+            <a:spAutoFit/>
+          </a:bodyPr>
+          <a:lstStyle/>
+          <a:p>
+            <a:endParaRPr lang="zh-TW" altLang="en-US" sz="2000" dirty="0">
+              <a:solidFill>
+                <a:srgbClr val="000000"/>
+              </a:solidFill>
+              <a:latin typeface="Adobe Gothic Std B" panose="020B0800000000000000" pitchFamily="34" charset="-128"/>
+            </a:endParaRPr>
+          </a:p>
+          <a:p>
+            <a:r>
+              <a:rPr lang="zh-TW" altLang="en-US" sz="2000" dirty="0">
+                <a:solidFill>
+                  <a:srgbClr val="000000"/>
+                </a:solidFill>
+                <a:latin typeface="Adobe Gothic Std B" panose="020B0800000000000000" pitchFamily="34" charset="-128"/>
+              </a:rPr>
+              <a:t> </a:t>
+            </a:r>
+            <a:r>
+              <a:rPr lang="en-US" altLang="zh-TW" dirty="0">
+                <a:solidFill>
+                  <a:srgbClr val="000000"/>
+                </a:solidFill>
+                <a:latin typeface="Adobe 繁黑體 Std B" panose="020B0700000000000000" pitchFamily="34" charset="-120"/>
+                <a:ea typeface="Adobe 繁黑體 Std B" panose="020B0700000000000000" pitchFamily="34" charset="-120"/>
+              </a:rPr>
+              <a:t>2020</a:t>
+            </a:r>
+            <a:r>
+              <a:rPr lang="zh-TW" altLang="en-US" dirty="0">
+                <a:solidFill>
+                  <a:srgbClr val="000000"/>
+                </a:solidFill>
+                <a:latin typeface="Adobe 繁黑體 Std B" panose="020B0700000000000000" pitchFamily="34" charset="-120"/>
+                <a:ea typeface="Adobe 繁黑體 Std B" panose="020B0700000000000000" pitchFamily="34" charset="-120"/>
+              </a:rPr>
+              <a:t>年</a:t>
+            </a:r>
+            <a:r>
+              <a:rPr lang="en-US" altLang="zh-TW" dirty="0">
+                <a:solidFill>
+                  <a:srgbClr val="000000"/>
+                </a:solidFill>
+                <a:latin typeface="Adobe 繁黑體 Std B" panose="020B0700000000000000" pitchFamily="34" charset="-120"/>
+                <a:ea typeface="Adobe 繁黑體 Std B" panose="020B0700000000000000" pitchFamily="34" charset="-120"/>
+              </a:rPr>
+              <a:t>01</a:t>
+            </a:r>
+            <a:r>
+              <a:rPr lang="zh-TW" altLang="en-US" dirty="0">
+                <a:solidFill>
+                  <a:srgbClr val="000000"/>
+                </a:solidFill>
+                <a:latin typeface="Adobe 繁黑體 Std B" panose="020B0700000000000000" pitchFamily="34" charset="-120"/>
+                <a:ea typeface="Adobe 繁黑體 Std B" panose="020B0700000000000000" pitchFamily="34" charset="-120"/>
+              </a:rPr>
+              <a:t>月</a:t>
+            </a:r>
+            <a:r>
+              <a:rPr lang="en-US" altLang="zh-TW" dirty="0">
+                <a:solidFill>
+                  <a:srgbClr val="000000"/>
+                </a:solidFill>
+                <a:latin typeface="Adobe 繁黑體 Std B" panose="020B0700000000000000" pitchFamily="34" charset="-120"/>
+                <a:ea typeface="Adobe 繁黑體 Std B" panose="020B0700000000000000" pitchFamily="34" charset="-120"/>
+              </a:rPr>
+              <a:t>03</a:t>
+            </a:r>
+            <a:r>
+              <a:rPr lang="zh-TW" altLang="en-US" dirty="0">
+                <a:solidFill>
+                  <a:srgbClr val="000000"/>
+                </a:solidFill>
+                <a:latin typeface="Adobe 繁黑體 Std B" panose="020B0700000000000000" pitchFamily="34" charset="-120"/>
+                <a:ea typeface="Adobe 繁黑體 Std B" panose="020B0700000000000000" pitchFamily="34" charset="-120"/>
+              </a:rPr>
+              <a:t>日 </a:t>
+            </a:r>
+          </a:p>
+          <a:p>
+            <a:r>
+              <a:rPr lang="zh-TW" altLang="en-US" dirty="0">
+                <a:solidFill>
+                  <a:srgbClr val="000000"/>
+                </a:solidFill>
+                <a:latin typeface="微軟正黑體" panose="020B0604030504040204" pitchFamily="34" charset="-120"/>
+                <a:ea typeface="微軟正黑體" panose="020B0604030504040204" pitchFamily="34" charset="-120"/>
+              </a:rPr>
+              <a:t>星期五 </a:t>
+            </a:r>
+          </a:p>
+          <a:p>
+            <a:r>
+              <a:rPr lang="zh-TW" altLang="en-US" dirty="0">
+                <a:solidFill>
+                  <a:srgbClr val="000000"/>
+                </a:solidFill>
+                <a:latin typeface="微軟正黑體" panose="020B0604030504040204" pitchFamily="34" charset="-120"/>
+                <a:ea typeface="微軟正黑體" panose="020B0604030504040204" pitchFamily="34" charset="-120"/>
+              </a:rPr>
+              <a:t>使用</a:t>
+            </a:r>
+            <a:r>
+              <a:rPr lang="zh-TW" altLang="en-US" dirty="0" smtClean="0">
+                <a:solidFill>
+                  <a:srgbClr val="000000"/>
+                </a:solidFill>
+                <a:latin typeface="微軟正黑體" panose="020B0604030504040204" pitchFamily="34" charset="-120"/>
+                <a:ea typeface="微軟正黑體" panose="020B0604030504040204" pitchFamily="34" charset="-120"/>
+              </a:rPr>
+              <a:t>時間 </a:t>
+            </a:r>
+            <a:r>
+              <a:rPr lang="en-US" altLang="zh-TW" dirty="0" smtClean="0">
+                <a:solidFill>
+                  <a:srgbClr val="000000"/>
+                </a:solidFill>
+                <a:latin typeface="微軟正黑體" panose="020B0604030504040204" pitchFamily="34" charset="-120"/>
+                <a:ea typeface="微軟正黑體" panose="020B0604030504040204" pitchFamily="34" charset="-120"/>
+              </a:rPr>
+              <a:t>:</a:t>
+            </a:r>
+            <a:r>
+              <a:rPr lang="en-US" altLang="zh-TW" dirty="0" smtClean="0">
+                <a:solidFill>
+                  <a:srgbClr val="000000"/>
+                </a:solidFill>
+                <a:latin typeface="Adobe 繁黑體 Std B" panose="020B0700000000000000" pitchFamily="34" charset="-120"/>
+                <a:ea typeface="Adobe 繁黑體 Std B" panose="020B0700000000000000" pitchFamily="34" charset="-120"/>
+              </a:rPr>
+              <a:t>18:00-22:00 </a:t>
+            </a:r>
+            <a:br>
+              <a:rPr lang="en-US" altLang="zh-TW" dirty="0" smtClean="0">
+                <a:solidFill>
+                  <a:srgbClr val="000000"/>
+                </a:solidFill>
+                <a:latin typeface="Adobe 繁黑體 Std B" panose="020B0700000000000000" pitchFamily="34" charset="-120"/>
+                <a:ea typeface="Adobe 繁黑體 Std B" panose="020B0700000000000000" pitchFamily="34" charset="-120"/>
+              </a:rPr>
+            </a:br>
+            <a:r>
+              <a:rPr lang="zh-TW" altLang="en-US" dirty="0" smtClean="0">
+                <a:solidFill>
+                  <a:srgbClr val="000000"/>
+                </a:solidFill>
+                <a:latin typeface="Adobe 繁黑體 Std B" panose="020B0700000000000000" pitchFamily="34" charset="-120"/>
+                <a:ea typeface="Adobe 繁黑體 Std B" panose="020B0700000000000000" pitchFamily="34" charset="-120"/>
+              </a:rPr>
+              <a:t>四樓貴賓廳 </a:t>
+            </a:r>
+            <a:r>
+              <a:rPr lang="en-US" altLang="zh-TW" dirty="0" smtClean="0">
+                <a:solidFill>
+                  <a:srgbClr val="000000"/>
+                </a:solidFill>
+                <a:latin typeface="Adobe 繁黑體 Std B" panose="020B0700000000000000" pitchFamily="34" charset="-120"/>
+                <a:ea typeface="Adobe 繁黑體 Std B" panose="020B0700000000000000" pitchFamily="34" charset="-120"/>
+              </a:rPr>
+              <a:t/>
+            </a:r>
+            <a:br>
+              <a:rPr lang="en-US" altLang="zh-TW" dirty="0" smtClean="0">
+                <a:solidFill>
+                  <a:srgbClr val="000000"/>
+                </a:solidFill>
+                <a:latin typeface="Adobe 繁黑體 Std B" panose="020B0700000000000000" pitchFamily="34" charset="-120"/>
+                <a:ea typeface="Adobe 繁黑體 Std B" panose="020B0700000000000000" pitchFamily="34" charset="-120"/>
+              </a:rPr>
+            </a:br>
+            <a:r>
+              <a:rPr lang="zh-TW" altLang="en-US" dirty="0" smtClean="0">
+                <a:solidFill>
+                  <a:srgbClr val="000000"/>
+                </a:solidFill>
+                <a:latin typeface="Adobe 繁黑體 Std B" panose="020B0700000000000000" pitchFamily="34" charset="-120"/>
+                <a:ea typeface="Adobe 繁黑體 Std B" panose="020B0700000000000000" pitchFamily="34" charset="-120"/>
+              </a:rPr>
+              <a:t>共 </a:t>
+            </a:r>
+            <a:r>
+              <a:rPr lang="en-US" altLang="zh-TW" dirty="0" smtClean="0">
+                <a:solidFill>
+                  <a:srgbClr val="000000"/>
+                </a:solidFill>
+                <a:latin typeface="Adobe 繁黑體 Std B" panose="020B0700000000000000" pitchFamily="34" charset="-120"/>
+                <a:ea typeface="Adobe 繁黑體 Std B" panose="020B0700000000000000" pitchFamily="34" charset="-120"/>
+              </a:rPr>
+              <a:t>326</a:t>
+            </a:r>
+            <a:r>
+              <a:rPr lang="zh-TW" altLang="en-US" dirty="0" smtClean="0">
+                <a:solidFill>
+                  <a:srgbClr val="000000"/>
+                </a:solidFill>
+                <a:latin typeface="Adobe 繁黑體 Std B" panose="020B0700000000000000" pitchFamily="34" charset="-120"/>
+                <a:ea typeface="Adobe 繁黑體 Std B" panose="020B0700000000000000" pitchFamily="34" charset="-120"/>
+              </a:rPr>
+              <a:t> 人 </a:t>
+            </a:r>
+            <a:r>
+              <a:rPr lang="en-US" altLang="zh-TW" dirty="0" smtClean="0">
+                <a:solidFill>
+                  <a:srgbClr val="000000"/>
+                </a:solidFill>
+                <a:latin typeface="Adobe 繁黑體 Std B" panose="020B0700000000000000" pitchFamily="34" charset="-120"/>
+                <a:ea typeface="Adobe 繁黑體 Std B" panose="020B0700000000000000" pitchFamily="34" charset="-120"/>
+              </a:rPr>
+              <a:t>(</a:t>
+            </a:r>
+            <a:r>
+              <a:rPr lang="zh-TW" altLang="en-US" dirty="0" smtClean="0">
+                <a:solidFill>
+                  <a:srgbClr val="000000"/>
+                </a:solidFill>
+                <a:latin typeface="Adobe 繁黑體 Std B" panose="020B0700000000000000" pitchFamily="34" charset="-120"/>
+                <a:ea typeface="Adobe 繁黑體 Std B" panose="020B0700000000000000" pitchFamily="34" charset="-120"/>
+              </a:rPr>
+              <a:t>含兼任</a:t>
+            </a:r>
+            <a:r>
+              <a:rPr lang="en-US" altLang="zh-TW" dirty="0" smtClean="0">
+                <a:solidFill>
+                  <a:srgbClr val="000000"/>
+                </a:solidFill>
+                <a:latin typeface="Adobe 繁黑體 Std B" panose="020B0700000000000000" pitchFamily="34" charset="-120"/>
+                <a:ea typeface="Adobe 繁黑體 Std B" panose="020B0700000000000000" pitchFamily="34" charset="-120"/>
+              </a:rPr>
+              <a:t>)</a:t>
+            </a:r>
+            <a:r>
+              <a:rPr lang="en-US" altLang="zh-TW" dirty="0">
+                <a:solidFill>
+                  <a:srgbClr val="000000"/>
+                </a:solidFill>
+                <a:latin typeface="Adobe 繁黑體 Std B" panose="020B0700000000000000" pitchFamily="34" charset="-120"/>
+                <a:ea typeface="Adobe 繁黑體 Std B" panose="020B0700000000000000" pitchFamily="34" charset="-120"/>
+              </a:rPr>
+              <a:t>	</a:t>
+            </a:r>
+          </a:p>
+        </p:txBody>
+      </p:sp>
+      <p:pic>
+        <p:nvPicPr>
+          <p:cNvPr id="6" name="圖片 5"/>
+          <p:cNvPicPr>
+            <a:picLocks noChangeAspect="1"/>
+          </p:cNvPicPr>
+          <p:nvPr/>
+        </p:nvPicPr>
+        <p:blipFill>
+          <a:blip r:embed="rId2" cstate="print">
+            <a:extLst>
+              <a:ext uri="{28A0092B-C50C-407E-A947-70E740481C1C}">
+                <a14:useLocalDpi xmlns:a14="http://schemas.microsoft.com/office/drawing/2010/main" val="0"/>
+              </a:ext>
+            </a:extLst>
+          </a:blip>
+          <a:stretch>
+            <a:fillRect/>
+          </a:stretch>
+        </p:blipFill>
+        <p:spPr>
+          <a:xfrm>
+            <a:off x="4427984" y="1707654"/>
+            <a:ext cx="4230013" cy="2643758"/>
+          </a:xfrm>
+          <a:prstGeom prst="rect">
+            <a:avLst/>
+          </a:prstGeom>
+        </p:spPr>
+      </p:pic>
+    </p:spTree>
+    <p:extLst>
+      <p:ext uri="{BB962C8B-B14F-4D97-AF65-F5344CB8AC3E}">
+        <p14:creationId xmlns:p14="http://schemas.microsoft.com/office/powerpoint/2010/main" val="868295818"/>
+      </p:ext>
+    </p:extLst>
+  </p:cSld>
+  <p:clrMapOvr>
+    <a:masterClrMapping/>
+  </p:clrMapOvr>
+</p:sld>
+</file>
+
+<file path=ppt/slides/slide3.xml><?xml version="1.0" encoding="utf-8"?>
+<p:sld xmlns:a="http://schemas.openxmlformats.org/drawingml/2006/main" xmlns:r="http://schemas.openxmlformats.org/officeDocument/2006/relationships" xmlns:p="http://schemas.openxmlformats.org/presentationml/2006/main">
+  <p:cSld>
+    <p:spTree>
+      <p:nvGrpSpPr>
+        <p:cNvPr id="1" name=""/>
+        <p:cNvGrpSpPr/>
+        <p:nvPr/>
+      </p:nvGrpSpPr>
+      <p:grpSpPr>
+        <a:xfrm>
+          <a:off x="0" y="0"/>
+          <a:ext cx="0" cy="0"/>
+          <a:chOff x="0" y="0"/>
+          <a:chExt cx="0" cy="0"/>
+        </a:xfrm>
+      </p:grpSpPr>
+      <p:sp>
+        <p:nvSpPr>
+          <p:cNvPr id="2" name="文字版面配置區 1"/>
+          <p:cNvSpPr>
+            <a:spLocks noGrp="1"/>
+          </p:cNvSpPr>
+          <p:nvPr>
+            <p:ph type="body" sz="quarter" idx="10"/>
+          </p:nvPr>
+        </p:nvSpPr>
+        <p:spPr>
+          <a:xfrm>
+            <a:off x="0" y="267494"/>
+            <a:ext cx="9144000" cy="576064"/>
+          </a:xfrm>
+        </p:spPr>
+        <p:txBody>
+          <a:bodyPr/>
+          <a:lstStyle/>
+          <a:p>
+            <a:r>
+              <a:rPr lang="zh-TW" altLang="en-US" dirty="0" smtClean="0">
+                <a:latin typeface="Adobe 繁黑體 Std B" panose="020B0700000000000000" pitchFamily="34" charset="-120"/>
+                <a:ea typeface="Adobe 繁黑體 Std B" panose="020B0700000000000000" pitchFamily="34" charset="-120"/>
+              </a:rPr>
+              <a:t>主</a:t>
+            </a:r>
+            <a:r>
+              <a:rPr lang="zh-TW" altLang="en-US" dirty="0">
+                <a:latin typeface="Adobe 繁黑體 Std B" panose="020B0700000000000000" pitchFamily="34" charset="-120"/>
+                <a:ea typeface="Adobe 繁黑體 Std B" panose="020B0700000000000000" pitchFamily="34" charset="-120"/>
+              </a:rPr>
+              <a:t>題</a:t>
+            </a:r>
+            <a:endParaRPr lang="ko-KR" altLang="en-US" dirty="0">
+              <a:latin typeface="Adobe 繁黑體 Std B" panose="020B0700000000000000" pitchFamily="34" charset="-120"/>
+            </a:endParaRPr>
+          </a:p>
+        </p:txBody>
+      </p:sp>
+      <p:pic>
+        <p:nvPicPr>
+          <p:cNvPr id="5" name="圖片 4"/>
+          <p:cNvPicPr>
+            <a:picLocks noChangeAspect="1"/>
+          </p:cNvPicPr>
+          <p:nvPr/>
+        </p:nvPicPr>
+        <p:blipFill>
+          <a:blip r:embed="rId2">
+            <a:extLst>
+              <a:ext uri="{28A0092B-C50C-407E-A947-70E740481C1C}">
+                <a14:useLocalDpi xmlns:a14="http://schemas.microsoft.com/office/drawing/2010/main" val="0"/>
+              </a:ext>
+            </a:extLst>
+          </a:blip>
+          <a:stretch>
+            <a:fillRect/>
+          </a:stretch>
+        </p:blipFill>
+        <p:spPr>
+          <a:xfrm>
+            <a:off x="395536" y="1563638"/>
+            <a:ext cx="4464817" cy="2448272"/>
+          </a:xfrm>
+          <a:prstGeom prst="rect">
+            <a:avLst/>
+          </a:prstGeom>
+        </p:spPr>
+      </p:pic>
+      <p:sp>
+        <p:nvSpPr>
+          <p:cNvPr id="6" name="矩形 5"/>
+          <p:cNvSpPr/>
+          <p:nvPr/>
+        </p:nvSpPr>
+        <p:spPr>
+          <a:xfrm>
+            <a:off x="5148064" y="1633612"/>
+            <a:ext cx="3588103" cy="2308324"/>
+          </a:xfrm>
+          <a:prstGeom prst="rect">
+            <a:avLst/>
+          </a:prstGeom>
+        </p:spPr>
+        <p:txBody>
+          <a:bodyPr wrap="square">
+            <a:spAutoFit/>
+          </a:bodyPr>
+          <a:lstStyle/>
+          <a:p>
+            <a:r>
+              <a:rPr lang="zh-TW" altLang="en-US" sz="1600" dirty="0" smtClean="0">
+                <a:latin typeface="微軟正黑體" panose="020B0604030504040204" pitchFamily="34" charset="-120"/>
+                <a:ea typeface="微軟正黑體" panose="020B0604030504040204" pitchFamily="34" charset="-120"/>
+              </a:rPr>
+              <a:t>此次</a:t>
+            </a:r>
+            <a:r>
+              <a:rPr lang="zh-TW" altLang="en-US" sz="1600" dirty="0">
+                <a:latin typeface="微軟正黑體" panose="020B0604030504040204" pitchFamily="34" charset="-120"/>
+                <a:ea typeface="微軟正黑體" panose="020B0604030504040204" pitchFamily="34" charset="-120"/>
+              </a:rPr>
+              <a:t>主題特別結合 </a:t>
+            </a:r>
+          </a:p>
+          <a:p>
+            <a:r>
+              <a:rPr lang="zh-TW" altLang="en-US" sz="1600" dirty="0">
+                <a:latin typeface="微軟正黑體" panose="020B0604030504040204" pitchFamily="34" charset="-120"/>
+                <a:ea typeface="微軟正黑體" panose="020B0604030504040204" pitchFamily="34" charset="-120"/>
+              </a:rPr>
+              <a:t>以「</a:t>
+            </a:r>
+            <a:r>
+              <a:rPr lang="zh-TW" altLang="en-US" sz="1600" dirty="0">
+                <a:solidFill>
+                  <a:schemeClr val="accent1">
+                    <a:lumMod val="75000"/>
+                  </a:schemeClr>
+                </a:solidFill>
+                <a:latin typeface="微軟正黑體" panose="020B0604030504040204" pitchFamily="34" charset="-120"/>
+                <a:ea typeface="微軟正黑體" panose="020B0604030504040204" pitchFamily="34" charset="-120"/>
+              </a:rPr>
+              <a:t>贏戰新紀元</a:t>
+            </a:r>
+            <a:r>
+              <a:rPr lang="zh-TW" altLang="en-US" sz="1600" dirty="0">
+                <a:latin typeface="微軟正黑體" panose="020B0604030504040204" pitchFamily="34" charset="-120"/>
+                <a:ea typeface="微軟正黑體" panose="020B0604030504040204" pitchFamily="34" charset="-120"/>
+              </a:rPr>
+              <a:t>」為概念，將科技感、</a:t>
+            </a:r>
+            <a:r>
+              <a:rPr lang="en-US" altLang="zh-TW" sz="1600" dirty="0">
+                <a:latin typeface="微軟正黑體" panose="020B0604030504040204" pitchFamily="34" charset="-120"/>
+                <a:ea typeface="微軟正黑體" panose="020B0604030504040204" pitchFamily="34" charset="-120"/>
+              </a:rPr>
+              <a:t>AI</a:t>
+            </a:r>
+            <a:r>
+              <a:rPr lang="zh-TW" altLang="en-US" sz="1600" dirty="0">
+                <a:latin typeface="微軟正黑體" panose="020B0604030504040204" pitchFamily="34" charset="-120"/>
+                <a:ea typeface="微軟正黑體" panose="020B0604030504040204" pitchFamily="34" charset="-120"/>
+              </a:rPr>
+              <a:t>人工智慧新紀元，劃開序幕，讓國泰世華新的年度展開全新目標。 </a:t>
+            </a:r>
+          </a:p>
+          <a:p>
+            <a:endParaRPr lang="en-US" altLang="zh-TW" sz="1600" dirty="0" smtClean="0">
+              <a:latin typeface="微軟正黑體" panose="020B0604030504040204" pitchFamily="34" charset="-120"/>
+              <a:ea typeface="微軟正黑體" panose="020B0604030504040204" pitchFamily="34" charset="-120"/>
+            </a:endParaRPr>
+          </a:p>
+          <a:p>
+            <a:r>
+              <a:rPr lang="zh-TW" altLang="en-US" sz="1600" dirty="0" smtClean="0">
+                <a:latin typeface="微軟正黑體" panose="020B0604030504040204" pitchFamily="34" charset="-120"/>
+                <a:ea typeface="微軟正黑體" panose="020B0604030504040204" pitchFamily="34" charset="-120"/>
+              </a:rPr>
+              <a:t>結合</a:t>
+            </a:r>
+            <a:r>
+              <a:rPr lang="zh-TW" altLang="en-US" sz="1600" dirty="0">
+                <a:latin typeface="微軟正黑體" panose="020B0604030504040204" pitchFamily="34" charset="-120"/>
+                <a:ea typeface="微軟正黑體" panose="020B0604030504040204" pitchFamily="34" charset="-120"/>
+              </a:rPr>
+              <a:t>科技，提供全新創新解決方案，創造無限與效益，前瞻多元，共創未來 。 </a:t>
+            </a:r>
+          </a:p>
+          <a:p>
+            <a:r>
+              <a:rPr lang="zh-TW" altLang="en-US" sz="1600" dirty="0">
+                <a:latin typeface="微軟正黑體" panose="020B0604030504040204" pitchFamily="34" charset="-120"/>
+                <a:ea typeface="微軟正黑體" panose="020B0604030504040204" pitchFamily="34" charset="-120"/>
+              </a:rPr>
+              <a:t>企劃主題概念 </a:t>
+            </a:r>
+            <a:endParaRPr lang="en-US" altLang="zh-TW" sz="1600" dirty="0">
+              <a:solidFill>
+                <a:srgbClr val="000000"/>
+              </a:solidFill>
+              <a:latin typeface="微軟正黑體" panose="020B0604030504040204" pitchFamily="34" charset="-120"/>
+              <a:ea typeface="微軟正黑體" panose="020B0604030504040204" pitchFamily="34" charset="-120"/>
+            </a:endParaRPr>
+          </a:p>
+        </p:txBody>
+      </p:sp>
+    </p:spTree>
+    <p:extLst>
+      <p:ext uri="{BB962C8B-B14F-4D97-AF65-F5344CB8AC3E}">
+        <p14:creationId xmlns:p14="http://schemas.microsoft.com/office/powerpoint/2010/main" val="2541436341"/>
+      </p:ext>
+    </p:extLst>
+  </p:cSld>
+  <p:clrMapOvr>
+    <a:masterClrMapping/>
+  </p:clrMapOvr>
+</p:sld>
+</file>
+
+<file path=ppt/slides/slide4.xml><?xml version="1.0" encoding="utf-8"?>
+<p:sld xmlns:a="http://schemas.openxmlformats.org/drawingml/2006/main" xmlns:r="http://schemas.openxmlformats.org/officeDocument/2006/relationships" xmlns:p="http://schemas.openxmlformats.org/presentationml/2006/main">
+  <p:cSld>
+    <p:spTree>
+      <p:nvGrpSpPr>
+        <p:cNvPr id="1" name=""/>
+        <p:cNvGrpSpPr/>
+        <p:nvPr/>
+      </p:nvGrpSpPr>
+      <p:grpSpPr>
+        <a:xfrm>
+          <a:off x="0" y="0"/>
+          <a:ext cx="0" cy="0"/>
+          <a:chOff x="0" y="0"/>
+          <a:chExt cx="0" cy="0"/>
+        </a:xfrm>
+      </p:grpSpPr>
+      <p:sp>
+        <p:nvSpPr>
+          <p:cNvPr id="2" name="文字版面配置區 1"/>
+          <p:cNvSpPr>
+            <a:spLocks noGrp="1"/>
+          </p:cNvSpPr>
+          <p:nvPr>
+            <p:ph type="body" sz="quarter" idx="10"/>
+          </p:nvPr>
+        </p:nvSpPr>
+        <p:spPr>
+          <a:xfrm>
+            <a:off x="-14034" y="339502"/>
+            <a:ext cx="9144000" cy="576064"/>
+          </a:xfrm>
+        </p:spPr>
+        <p:txBody>
+          <a:bodyPr/>
+          <a:lstStyle/>
+          <a:p>
+            <a:r>
+              <a:rPr lang="zh-TW" altLang="en-US" dirty="0" smtClean="0"/>
+              <a:t>活動流程</a:t>
+            </a:r>
+            <a:endParaRPr lang="zh-TW" altLang="en-US" dirty="0"/>
+          </a:p>
+        </p:txBody>
+      </p:sp>
+      <p:pic>
+        <p:nvPicPr>
+          <p:cNvPr id="5" name="圖片 4"/>
+          <p:cNvPicPr>
+            <a:picLocks noChangeAspect="1"/>
+          </p:cNvPicPr>
+          <p:nvPr/>
+        </p:nvPicPr>
+        <p:blipFill>
+          <a:blip r:embed="rId2">
+            <a:extLst>
+              <a:ext uri="{28A0092B-C50C-407E-A947-70E740481C1C}">
+                <a14:useLocalDpi xmlns:a14="http://schemas.microsoft.com/office/drawing/2010/main" val="0"/>
+              </a:ext>
+            </a:extLst>
+          </a:blip>
+          <a:stretch>
+            <a:fillRect/>
+          </a:stretch>
+        </p:blipFill>
+        <p:spPr>
+          <a:xfrm>
+            <a:off x="1115616" y="1016928"/>
+            <a:ext cx="6884701" cy="4000669"/>
+          </a:xfrm>
+          <a:prstGeom prst="rect">
+            <a:avLst/>
+          </a:prstGeom>
+        </p:spPr>
+      </p:pic>
+    </p:spTree>
+    <p:extLst>
+      <p:ext uri="{BB962C8B-B14F-4D97-AF65-F5344CB8AC3E}">
+        <p14:creationId xmlns:p14="http://schemas.microsoft.com/office/powerpoint/2010/main" val="1375259659"/>
+      </p:ext>
+    </p:extLst>
+  </p:cSld>
+  <p:clrMapOvr>
+    <a:masterClrMapping/>
+  </p:clrMapOvr>
+</p:sld>
+</file>
+
+<file path=ppt/slides/slide5.xml><?xml version="1.0" encoding="utf-8"?>
 <p:sld xmlns:a="http://schemas.openxmlformats.org/drawingml/2006/main" xmlns:r="http://schemas.openxmlformats.org/officeDocument/2006/relationships" xmlns:p="http://schemas.openxmlformats.org/presentationml/2006/main">
   <p:cSld>
     <p:spTree>
@@ -7801,7 +8613,7 @@
 </p:sld>
 </file>
 
-<file path=ppt/slides/slide3.xml><?xml version="1.0" encoding="utf-8"?>
+<file path=ppt/slides/slide6.xml><?xml version="1.0" encoding="utf-8"?>
 <p:sld xmlns:a="http://schemas.openxmlformats.org/drawingml/2006/main" xmlns:r="http://schemas.openxmlformats.org/officeDocument/2006/relationships" xmlns:p="http://schemas.openxmlformats.org/presentationml/2006/main">
   <p:cSld>
     <p:spTree>
@@ -8157,7 +8969,7 @@
 </p:sld>
 </file>
 
-<file path=ppt/slides/slide4.xml><?xml version="1.0" encoding="utf-8"?>
+<file path=ppt/slides/slide7.xml><?xml version="1.0" encoding="utf-8"?>
 <p:sld xmlns:a="http://schemas.openxmlformats.org/drawingml/2006/main" xmlns:r="http://schemas.openxmlformats.org/officeDocument/2006/relationships" xmlns:p="http://schemas.openxmlformats.org/presentationml/2006/main">
   <p:cSld>
     <p:spTree>
@@ -10113,7 +10925,7 @@
 </p:sld>
 </file>
 
-<file path=ppt/slides/slide5.xml><?xml version="1.0" encoding="utf-8"?>
+<file path=ppt/slides/slide8.xml><?xml version="1.0" encoding="utf-8"?>
 <p:sld xmlns:a="http://schemas.openxmlformats.org/drawingml/2006/main" xmlns:r="http://schemas.openxmlformats.org/officeDocument/2006/relationships" xmlns:p="http://schemas.openxmlformats.org/presentationml/2006/main">
   <p:cSld>
     <p:spTree>
@@ -11207,7 +12019,7 @@
 </p:sld>
 </file>
 
-<file path=ppt/slides/slide6.xml><?xml version="1.0" encoding="utf-8"?>
+<file path=ppt/slides/slide9.xml><?xml version="1.0" encoding="utf-8"?>
 <p:sld xmlns:a="http://schemas.openxmlformats.org/drawingml/2006/main" xmlns:r="http://schemas.openxmlformats.org/officeDocument/2006/relationships" xmlns:p="http://schemas.openxmlformats.org/presentationml/2006/main">
   <p:cSld>
     <p:spTree>
